--- a/Improved Priority Exchange Server/Presentation Slide/IMPROVED PRIORITY EXCHANGE SERVER.pptx
+++ b/Improved Priority Exchange Server/Presentation Slide/IMPROVED PRIORITY EXCHANGE SERVER.pptx
@@ -7,65 +7,60 @@
   <p:sldIdLst>
     <p:sldId id="256" r:id="rId3"/>
     <p:sldId id="257" r:id="rId4"/>
-    <p:sldId id="258" r:id="rId5"/>
-    <p:sldId id="259" r:id="rId6"/>
-    <p:sldId id="260" r:id="rId7"/>
-    <p:sldId id="261" r:id="rId8"/>
-    <p:sldId id="262" r:id="rId9"/>
-    <p:sldId id="263" r:id="rId10"/>
-    <p:sldId id="264" r:id="rId11"/>
-    <p:sldId id="265" r:id="rId12"/>
-    <p:sldId id="266" r:id="rId13"/>
-    <p:sldId id="267" r:id="rId14"/>
-    <p:sldId id="268" r:id="rId15"/>
-    <p:sldId id="269" r:id="rId16"/>
-    <p:sldId id="270" r:id="rId17"/>
+    <p:sldId id="259" r:id="rId5"/>
+    <p:sldId id="260" r:id="rId6"/>
+    <p:sldId id="261" r:id="rId7"/>
+    <p:sldId id="262" r:id="rId8"/>
+    <p:sldId id="263" r:id="rId9"/>
+    <p:sldId id="264" r:id="rId10"/>
+    <p:sldId id="265" r:id="rId11"/>
+    <p:sldId id="266" r:id="rId12"/>
+    <p:sldId id="267" r:id="rId13"/>
+    <p:sldId id="268" r:id="rId14"/>
+    <p:sldId id="269" r:id="rId15"/>
+    <p:sldId id="270" r:id="rId16"/>
   </p:sldIdLst>
   <p:sldSz cx="18288000" cy="10287000"/>
   <p:notesSz cx="6858000" cy="9144000"/>
   <p:embeddedFontLst>
     <p:embeddedFont>
       <p:font typeface="Halant Medium" panose="00000600000000000000"/>
-      <p:regular r:id="rId21"/>
+      <p:regular r:id="rId20"/>
     </p:embeddedFont>
     <p:embeddedFont>
       <p:font typeface="Arimo Italics" panose="020B0604020202090204"/>
-      <p:italic r:id="rId22"/>
+      <p:italic r:id="rId21"/>
     </p:embeddedFont>
     <p:embeddedFont>
       <p:font typeface="Alegreya Bold" panose="00000800000000000000"/>
-      <p:bold r:id="rId23"/>
+      <p:bold r:id="rId22"/>
     </p:embeddedFont>
     <p:embeddedFont>
       <p:font typeface="Alegreya" panose="00000500000000000000"/>
-      <p:regular r:id="rId24"/>
+      <p:regular r:id="rId23"/>
     </p:embeddedFont>
     <p:embeddedFont>
-      <p:font typeface="Alegreya SC" panose="00000500000000000000"/>
+      <p:font typeface="Open Sans Light Bold" panose="020B0806030504020204"/>
+      <p:bold r:id="rId24"/>
+    </p:embeddedFont>
+    <p:embeddedFont>
+      <p:font typeface="Arimo" panose="020B0604020202020204"/>
       <p:regular r:id="rId25"/>
     </p:embeddedFont>
     <p:embeddedFont>
-      <p:font typeface="Open Sans Light Bold" panose="020B0806030504020204"/>
-      <p:bold r:id="rId26"/>
+      <p:font typeface="Open Sans Light" panose="020B0306030504020204"/>
+      <p:regular r:id="rId26"/>
     </p:embeddedFont>
     <p:embeddedFont>
-      <p:font typeface="Arimo" panose="020B0604020202020204"/>
+      <p:font typeface="Open Sans" panose="020B0606030504020204"/>
       <p:regular r:id="rId27"/>
     </p:embeddedFont>
     <p:embeddedFont>
-      <p:font typeface="Open Sans Light" panose="020B0306030504020204"/>
+      <p:font typeface="Calibri" panose="020F0502020204030204" charset="0"/>
       <p:regular r:id="rId28"/>
-    </p:embeddedFont>
-    <p:embeddedFont>
-      <p:font typeface="Open Sans" panose="020B0606030504020204"/>
-      <p:regular r:id="rId29"/>
-    </p:embeddedFont>
-    <p:embeddedFont>
-      <p:font typeface="Calibri" panose="020F0502020204030204" charset="0"/>
-      <p:regular r:id="rId30"/>
-      <p:bold r:id="rId31"/>
-      <p:italic r:id="rId32"/>
-      <p:boldItalic r:id="rId33"/>
+      <p:bold r:id="rId29"/>
+      <p:italic r:id="rId30"/>
+      <p:boldItalic r:id="rId31"/>
     </p:embeddedFont>
   </p:embeddedFontLst>
   <p:defaultTextStyle>
@@ -3363,15 +3358,15 @@
         </p:nvPicPr>
         <p:blipFill>
           <a:blip r:embed="rId1"/>
-          <a:srcRect t="375" b="375"/>
+          <a:srcRect t="198" b="198"/>
           <a:stretch>
             <a:fillRect/>
           </a:stretch>
         </p:blipFill>
         <p:spPr>
           <a:xfrm>
-            <a:off x="3028424" y="351562"/>
-            <a:ext cx="12185448" cy="9236203"/>
+            <a:off x="3163766" y="-107807"/>
+            <a:ext cx="12621639" cy="9454811"/>
           </a:xfrm>
           <a:prstGeom prst="rect">
             <a:avLst/>
@@ -3386,15 +3381,15 @@
         </p:nvSpPr>
         <p:spPr>
           <a:xfrm>
-            <a:off x="8568107" y="9706610"/>
-            <a:ext cx="2751402" cy="580390"/>
+            <a:off x="8568055" y="9706610"/>
+            <a:ext cx="4415790" cy="610235"/>
           </a:xfrm>
           <a:prstGeom prst="rect">
             <a:avLst/>
           </a:prstGeom>
         </p:spPr>
         <p:txBody>
-          <a:bodyPr lIns="0" tIns="0" rIns="0" bIns="0" rtlCol="0" anchor="t">
+          <a:bodyPr wrap="square" lIns="0" tIns="0" rIns="0" bIns="0" rtlCol="0" anchor="t">
             <a:spAutoFit/>
           </a:bodyPr>
           <a:lstStyle/>
@@ -3431,100 +3426,6 @@
 </file>
 
 <file path=ppt/slides/slide11.xml><?xml version="1.0" encoding="utf-8"?>
-<p:sld xmlns:a="http://schemas.openxmlformats.org/drawingml/2006/main" xmlns:r="http://schemas.openxmlformats.org/officeDocument/2006/relationships" xmlns:p="http://schemas.openxmlformats.org/presentationml/2006/main">
-  <p:cSld>
-    <p:spTree>
-      <p:nvGrpSpPr>
-        <p:cNvPr id="1" name=""/>
-        <p:cNvGrpSpPr/>
-        <p:nvPr/>
-      </p:nvGrpSpPr>
-      <p:grpSpPr>
-        <a:xfrm>
-          <a:off x="0" y="0"/>
-          <a:ext cx="0" cy="0"/>
-          <a:chOff x="0" y="0"/>
-          <a:chExt cx="0" cy="0"/>
-        </a:xfrm>
-      </p:grpSpPr>
-      <p:pic>
-        <p:nvPicPr>
-          <p:cNvPr id="2" name="Picture 2"/>
-          <p:cNvPicPr>
-            <a:picLocks noChangeAspect="1"/>
-          </p:cNvPicPr>
-          <p:nvPr/>
-        </p:nvPicPr>
-        <p:blipFill>
-          <a:blip r:embed="rId1"/>
-          <a:srcRect t="198" b="198"/>
-          <a:stretch>
-            <a:fillRect/>
-          </a:stretch>
-        </p:blipFill>
-        <p:spPr>
-          <a:xfrm>
-            <a:off x="3163766" y="196993"/>
-            <a:ext cx="12621639" cy="9454811"/>
-          </a:xfrm>
-          <a:prstGeom prst="rect">
-            <a:avLst/>
-          </a:prstGeom>
-        </p:spPr>
-      </p:pic>
-      <p:sp>
-        <p:nvSpPr>
-          <p:cNvPr id="3" name="TextBox 3"/>
-          <p:cNvSpPr txBox="1"/>
-          <p:nvPr/>
-        </p:nvSpPr>
-        <p:spPr>
-          <a:xfrm>
-            <a:off x="8568107" y="9706610"/>
-            <a:ext cx="2751402" cy="580390"/>
-          </a:xfrm>
-          <a:prstGeom prst="rect">
-            <a:avLst/>
-          </a:prstGeom>
-        </p:spPr>
-        <p:txBody>
-          <a:bodyPr lIns="0" tIns="0" rIns="0" bIns="0" rtlCol="0" anchor="t">
-            <a:spAutoFit/>
-          </a:bodyPr>
-          <a:lstStyle/>
-          <a:p>
-            <a:pPr algn="ctr">
-              <a:lnSpc>
-                <a:spcPts val="4760"/>
-              </a:lnSpc>
-            </a:pPr>
-            <a:r>
-              <a:rPr lang="en-US" sz="3400">
-                <a:solidFill>
-                  <a:srgbClr val="000000"/>
-                </a:solidFill>
-                <a:latin typeface="Open Sans Light" panose="020B0306030504020204"/>
-              </a:rPr>
-              <a:t>taken from [3]</a:t>
-            </a:r>
-            <a:endParaRPr lang="en-US" sz="3400">
-              <a:solidFill>
-                <a:srgbClr val="000000"/>
-              </a:solidFill>
-              <a:latin typeface="Open Sans Light" panose="020B0306030504020204"/>
-            </a:endParaRPr>
-          </a:p>
-        </p:txBody>
-      </p:sp>
-    </p:spTree>
-  </p:cSld>
-  <p:clrMapOvr>
-    <a:masterClrMapping/>
-  </p:clrMapOvr>
-</p:sld>
-</file>
-
-<file path=ppt/slides/slide12.xml><?xml version="1.0" encoding="utf-8"?>
 <p:sld xmlns:a="http://schemas.openxmlformats.org/drawingml/2006/main" xmlns:r="http://schemas.openxmlformats.org/officeDocument/2006/relationships" xmlns:p="http://schemas.openxmlformats.org/presentationml/2006/main">
   <p:cSld>
     <p:spTree>
@@ -3618,6 +3519,75 @@
 </p:sld>
 </file>
 
+<file path=ppt/slides/slide12.xml><?xml version="1.0" encoding="utf-8"?>
+<p:sld xmlns:a="http://schemas.openxmlformats.org/drawingml/2006/main" xmlns:r="http://schemas.openxmlformats.org/officeDocument/2006/relationships" xmlns:p="http://schemas.openxmlformats.org/presentationml/2006/main">
+  <p:cSld>
+    <p:spTree>
+      <p:nvGrpSpPr>
+        <p:cNvPr id="1" name=""/>
+        <p:cNvGrpSpPr/>
+        <p:nvPr/>
+      </p:nvGrpSpPr>
+      <p:grpSpPr>
+        <a:xfrm>
+          <a:off x="0" y="0"/>
+          <a:ext cx="0" cy="0"/>
+          <a:chOff x="0" y="0"/>
+          <a:chExt cx="0" cy="0"/>
+        </a:xfrm>
+      </p:grpSpPr>
+      <p:sp>
+        <p:nvSpPr>
+          <p:cNvPr id="2" name="TextBox 2"/>
+          <p:cNvSpPr txBox="1"/>
+          <p:nvPr/>
+        </p:nvSpPr>
+        <p:spPr>
+          <a:xfrm>
+            <a:off x="4768850" y="4295775"/>
+            <a:ext cx="7891145" cy="1615440"/>
+          </a:xfrm>
+          <a:prstGeom prst="rect">
+            <a:avLst/>
+          </a:prstGeom>
+        </p:spPr>
+        <p:txBody>
+          <a:bodyPr wrap="square" lIns="0" tIns="0" rIns="0" bIns="0" rtlCol="0" anchor="t">
+            <a:spAutoFit/>
+          </a:bodyPr>
+          <a:lstStyle/>
+          <a:p>
+            <a:pPr algn="ctr">
+              <a:lnSpc>
+                <a:spcPts val="12600"/>
+              </a:lnSpc>
+            </a:pPr>
+            <a:r>
+              <a:rPr lang="en-US" sz="9000">
+                <a:solidFill>
+                  <a:srgbClr val="000000"/>
+                </a:solidFill>
+                <a:latin typeface="Alegreya" panose="00000500000000000000"/>
+              </a:rPr>
+              <a:t>CONCLUSION</a:t>
+            </a:r>
+            <a:endParaRPr lang="en-US" sz="9000">
+              <a:solidFill>
+                <a:srgbClr val="000000"/>
+              </a:solidFill>
+              <a:latin typeface="Alegreya" panose="00000500000000000000"/>
+            </a:endParaRPr>
+          </a:p>
+        </p:txBody>
+      </p:sp>
+    </p:spTree>
+  </p:cSld>
+  <p:clrMapOvr>
+    <a:masterClrMapping/>
+  </p:clrMapOvr>
+</p:sld>
+</file>
+
 <file path=ppt/slides/slide13.xml><?xml version="1.0" encoding="utf-8"?>
 <p:sld xmlns:a="http://schemas.openxmlformats.org/drawingml/2006/main" xmlns:r="http://schemas.openxmlformats.org/officeDocument/2006/relationships" xmlns:p="http://schemas.openxmlformats.org/presentationml/2006/main">
   <p:cSld>
@@ -3643,34 +3613,160 @@
         </p:nvSpPr>
         <p:spPr>
           <a:xfrm>
-            <a:off x="4768850" y="4295775"/>
-            <a:ext cx="7891145" cy="1615440"/>
+            <a:off x="324653" y="2105089"/>
+            <a:ext cx="17638693" cy="4977765"/>
           </a:xfrm>
           <a:prstGeom prst="rect">
             <a:avLst/>
           </a:prstGeom>
         </p:spPr>
         <p:txBody>
-          <a:bodyPr wrap="square" lIns="0" tIns="0" rIns="0" bIns="0" rtlCol="0" anchor="t">
+          <a:bodyPr lIns="0" tIns="0" rIns="0" bIns="0" rtlCol="0" anchor="t">
             <a:spAutoFit/>
           </a:bodyPr>
           <a:lstStyle/>
           <a:p>
-            <a:pPr algn="ctr">
+            <a:pPr marL="669290" lvl="1" indent="-334645" algn="just">
               <a:lnSpc>
-                <a:spcPts val="12600"/>
+                <a:spcPts val="4340"/>
+              </a:lnSpc>
+              <a:buFont typeface="Arial" panose="020B0604020202020204"/>
+              <a:buChar char="•"/>
+            </a:pPr>
+            <a:r>
+              <a:rPr lang="en-US" sz="3100">
+                <a:solidFill>
+                  <a:srgbClr val="731F7D"/>
+                </a:solidFill>
+                <a:latin typeface="Open Sans" panose="020B0606030504020204"/>
+              </a:rPr>
+              <a:t>[1] C. Buttazzo, Hard Real-Time Computing Systems, vol. 24. Boston, MA: </a:t>
+            </a:r>
+            <a:r>
+              <a:rPr lang="en-US" sz="3100">
+                <a:solidFill>
+                  <a:srgbClr val="731F7D"/>
+                </a:solidFill>
+                <a:latin typeface="Arimo" panose="020B0604020202020204"/>
+              </a:rPr>
+              <a:t>Springer US, 2011. doi: 10.1007/978-1-4614-0676-1.</a:t>
+            </a:r>
+            <a:r>
+              <a:rPr lang="en-US" sz="3100">
+                <a:solidFill>
+                  <a:srgbClr val="731F7D"/>
+                </a:solidFill>
+                <a:latin typeface="Open Sans" panose="020B0606030504020204"/>
+              </a:rPr>
+              <a:t>  </a:t>
+            </a:r>
+            <a:endParaRPr lang="en-US" sz="3100">
+              <a:solidFill>
+                <a:srgbClr val="731F7D"/>
+              </a:solidFill>
+              <a:latin typeface="Open Sans" panose="020B0606030504020204"/>
+            </a:endParaRPr>
+          </a:p>
+          <a:p>
+            <a:pPr algn="just">
+              <a:lnSpc>
+                <a:spcPts val="4340"/>
               </a:lnSpc>
             </a:pPr>
-            <a:r>
-              <a:rPr lang="en-US" sz="9000">
+          </a:p>
+          <a:p>
+            <a:pPr marL="690880" lvl="1" indent="-345440" algn="just">
+              <a:lnSpc>
+                <a:spcPts val="4480"/>
+              </a:lnSpc>
+              <a:buFont typeface="Arial" panose="020B0604020202020204"/>
+              <a:buChar char="•"/>
+            </a:pPr>
+            <a:r>
+              <a:rPr lang="en-US" sz="3200">
+                <a:solidFill>
+                  <a:srgbClr val="731F7D"/>
+                </a:solidFill>
+                <a:latin typeface="Open Sans" panose="020B0606030504020204"/>
+              </a:rPr>
+              <a:t>[2] Liu, C.L., and Layland, J.W., ”Scheduling Algorithms for Multiprogramming in a Hard real-Time Environment,” Journal of the ACM 20(1), 1973, pp. 40-61</a:t>
+            </a:r>
+            <a:endParaRPr lang="en-US" sz="3200">
+              <a:solidFill>
+                <a:srgbClr val="731F7D"/>
+              </a:solidFill>
+              <a:latin typeface="Open Sans" panose="020B0606030504020204"/>
+            </a:endParaRPr>
+          </a:p>
+          <a:p>
+            <a:pPr algn="just">
+              <a:lnSpc>
+                <a:spcPts val="4480"/>
+              </a:lnSpc>
+            </a:pPr>
+          </a:p>
+          <a:p>
+            <a:pPr marL="690880" lvl="1" indent="-345440" algn="just">
+              <a:lnSpc>
+                <a:spcPts val="4480"/>
+              </a:lnSpc>
+              <a:buFont typeface="Arial" panose="020B0604020202020204"/>
+              <a:buChar char="•"/>
+            </a:pPr>
+            <a:r>
+              <a:rPr lang="en-US" sz="3200">
+                <a:solidFill>
+                  <a:srgbClr val="731F7D"/>
+                </a:solidFill>
+                <a:latin typeface="Open Sans" panose="020B0606030504020204"/>
+              </a:rPr>
+              <a:t>[3]Lehoczky, J.P., and Ramos-Thuel, S., ”An Optimal Algorithm for Scheduling Soft-Aperiodic Tasks in Fixed-Priority Preemptive Systems,” Proc. of Real-Time Systems Symposium, 1992, pp. 110-123.</a:t>
+            </a:r>
+            <a:endParaRPr lang="en-US" sz="3200">
+              <a:solidFill>
+                <a:srgbClr val="731F7D"/>
+              </a:solidFill>
+              <a:latin typeface="Open Sans" panose="020B0606030504020204"/>
+            </a:endParaRPr>
+          </a:p>
+        </p:txBody>
+      </p:sp>
+      <p:sp>
+        <p:nvSpPr>
+          <p:cNvPr id="3" name="TextBox 3"/>
+          <p:cNvSpPr txBox="1"/>
+          <p:nvPr/>
+        </p:nvSpPr>
+        <p:spPr>
+          <a:xfrm>
+            <a:off x="1417036" y="500606"/>
+            <a:ext cx="7726964" cy="1065714"/>
+          </a:xfrm>
+          <a:prstGeom prst="rect">
+            <a:avLst/>
+          </a:prstGeom>
+        </p:spPr>
+        <p:txBody>
+          <a:bodyPr lIns="0" tIns="0" rIns="0" bIns="0" rtlCol="0" anchor="t">
+            <a:spAutoFit/>
+          </a:bodyPr>
+          <a:lstStyle/>
+          <a:p>
+            <a:pPr>
+              <a:lnSpc>
+                <a:spcPts val="8345"/>
+              </a:lnSpc>
+            </a:pPr>
+            <a:r>
+              <a:rPr lang="en-US" sz="7070">
                 <a:solidFill>
                   <a:srgbClr val="000000"/>
                 </a:solidFill>
                 <a:latin typeface="Alegreya" panose="00000500000000000000"/>
               </a:rPr>
-              <a:t>CONCLUSION</a:t>
-            </a:r>
-            <a:endParaRPr lang="en-US" sz="9000">
+              <a:t>REFERENCES</a:t>
+            </a:r>
+            <a:endParaRPr lang="en-US" sz="7070">
               <a:solidFill>
                 <a:srgbClr val="000000"/>
               </a:solidFill>
@@ -3688,201 +3784,6 @@
 </file>
 
 <file path=ppt/slides/slide14.xml><?xml version="1.0" encoding="utf-8"?>
-<p:sld xmlns:a="http://schemas.openxmlformats.org/drawingml/2006/main" xmlns:r="http://schemas.openxmlformats.org/officeDocument/2006/relationships" xmlns:p="http://schemas.openxmlformats.org/presentationml/2006/main">
-  <p:cSld>
-    <p:spTree>
-      <p:nvGrpSpPr>
-        <p:cNvPr id="1" name=""/>
-        <p:cNvGrpSpPr/>
-        <p:nvPr/>
-      </p:nvGrpSpPr>
-      <p:grpSpPr>
-        <a:xfrm>
-          <a:off x="0" y="0"/>
-          <a:ext cx="0" cy="0"/>
-          <a:chOff x="0" y="0"/>
-          <a:chExt cx="0" cy="0"/>
-        </a:xfrm>
-      </p:grpSpPr>
-      <p:sp>
-        <p:nvSpPr>
-          <p:cNvPr id="2" name="TextBox 2"/>
-          <p:cNvSpPr txBox="1"/>
-          <p:nvPr/>
-        </p:nvSpPr>
-        <p:spPr>
-          <a:xfrm>
-            <a:off x="324653" y="2105089"/>
-            <a:ext cx="17638693" cy="4977765"/>
-          </a:xfrm>
-          <a:prstGeom prst="rect">
-            <a:avLst/>
-          </a:prstGeom>
-        </p:spPr>
-        <p:txBody>
-          <a:bodyPr lIns="0" tIns="0" rIns="0" bIns="0" rtlCol="0" anchor="t">
-            <a:spAutoFit/>
-          </a:bodyPr>
-          <a:lstStyle/>
-          <a:p>
-            <a:pPr marL="669290" lvl="1" indent="-334645" algn="just">
-              <a:lnSpc>
-                <a:spcPts val="4340"/>
-              </a:lnSpc>
-              <a:buFont typeface="Arial" panose="020B0604020202020204"/>
-              <a:buChar char="•"/>
-            </a:pPr>
-            <a:r>
-              <a:rPr lang="en-US" sz="3100">
-                <a:solidFill>
-                  <a:srgbClr val="731F7D"/>
-                </a:solidFill>
-                <a:latin typeface="Open Sans" panose="020B0606030504020204"/>
-              </a:rPr>
-              <a:t>[1] C. Buttazzo, Hard Real-Time Computing Systems, vol. 24. Boston, MA: </a:t>
-            </a:r>
-            <a:r>
-              <a:rPr lang="en-US" sz="3100">
-                <a:solidFill>
-                  <a:srgbClr val="731F7D"/>
-                </a:solidFill>
-                <a:latin typeface="Arimo" panose="020B0604020202020204"/>
-              </a:rPr>
-              <a:t>Springer US, 2011. doi: 10.1007/978-1-4614-0676-1.</a:t>
-            </a:r>
-            <a:r>
-              <a:rPr lang="en-US" sz="3100">
-                <a:solidFill>
-                  <a:srgbClr val="731F7D"/>
-                </a:solidFill>
-                <a:latin typeface="Open Sans" panose="020B0606030504020204"/>
-              </a:rPr>
-              <a:t>  </a:t>
-            </a:r>
-            <a:endParaRPr lang="en-US" sz="3100">
-              <a:solidFill>
-                <a:srgbClr val="731F7D"/>
-              </a:solidFill>
-              <a:latin typeface="Open Sans" panose="020B0606030504020204"/>
-            </a:endParaRPr>
-          </a:p>
-          <a:p>
-            <a:pPr algn="just">
-              <a:lnSpc>
-                <a:spcPts val="4340"/>
-              </a:lnSpc>
-            </a:pPr>
-          </a:p>
-          <a:p>
-            <a:pPr marL="690880" lvl="1" indent="-345440" algn="just">
-              <a:lnSpc>
-                <a:spcPts val="4480"/>
-              </a:lnSpc>
-              <a:buFont typeface="Arial" panose="020B0604020202020204"/>
-              <a:buChar char="•"/>
-            </a:pPr>
-            <a:r>
-              <a:rPr lang="en-US" sz="3200">
-                <a:solidFill>
-                  <a:srgbClr val="731F7D"/>
-                </a:solidFill>
-                <a:latin typeface="Open Sans" panose="020B0606030504020204"/>
-              </a:rPr>
-              <a:t>[2] Liu, C.L., and Layland, J.W., ”Scheduling Algorithms for Multiprogramming in a Hard real-Time Environment,” Journal of the ACM 20(1), 1973, pp. 40-61</a:t>
-            </a:r>
-            <a:endParaRPr lang="en-US" sz="3200">
-              <a:solidFill>
-                <a:srgbClr val="731F7D"/>
-              </a:solidFill>
-              <a:latin typeface="Open Sans" panose="020B0606030504020204"/>
-            </a:endParaRPr>
-          </a:p>
-          <a:p>
-            <a:pPr algn="just">
-              <a:lnSpc>
-                <a:spcPts val="4480"/>
-              </a:lnSpc>
-            </a:pPr>
-          </a:p>
-          <a:p>
-            <a:pPr marL="690880" lvl="1" indent="-345440" algn="just">
-              <a:lnSpc>
-                <a:spcPts val="4480"/>
-              </a:lnSpc>
-              <a:buFont typeface="Arial" panose="020B0604020202020204"/>
-              <a:buChar char="•"/>
-            </a:pPr>
-            <a:r>
-              <a:rPr lang="en-US" sz="3200">
-                <a:solidFill>
-                  <a:srgbClr val="731F7D"/>
-                </a:solidFill>
-                <a:latin typeface="Open Sans" panose="020B0606030504020204"/>
-              </a:rPr>
-              <a:t>[3]Lehoczky, J.P., and Ramos-Thuel, S., ”An Optimal Algorithm for Scheduling Soft-Aperiodic Tasks in Fixed-Priority Preemptive Systems,” Proc. of Real-Time Systems Symposium, 1992, pp. 110-123.</a:t>
-            </a:r>
-            <a:endParaRPr lang="en-US" sz="3200">
-              <a:solidFill>
-                <a:srgbClr val="731F7D"/>
-              </a:solidFill>
-              <a:latin typeface="Open Sans" panose="020B0606030504020204"/>
-            </a:endParaRPr>
-          </a:p>
-        </p:txBody>
-      </p:sp>
-      <p:sp>
-        <p:nvSpPr>
-          <p:cNvPr id="3" name="TextBox 3"/>
-          <p:cNvSpPr txBox="1"/>
-          <p:nvPr/>
-        </p:nvSpPr>
-        <p:spPr>
-          <a:xfrm>
-            <a:off x="1417036" y="500606"/>
-            <a:ext cx="7726964" cy="1065714"/>
-          </a:xfrm>
-          <a:prstGeom prst="rect">
-            <a:avLst/>
-          </a:prstGeom>
-        </p:spPr>
-        <p:txBody>
-          <a:bodyPr lIns="0" tIns="0" rIns="0" bIns="0" rtlCol="0" anchor="t">
-            <a:spAutoFit/>
-          </a:bodyPr>
-          <a:lstStyle/>
-          <a:p>
-            <a:pPr>
-              <a:lnSpc>
-                <a:spcPts val="8345"/>
-              </a:lnSpc>
-            </a:pPr>
-            <a:r>
-              <a:rPr lang="en-US" sz="7070">
-                <a:solidFill>
-                  <a:srgbClr val="000000"/>
-                </a:solidFill>
-                <a:latin typeface="Alegreya" panose="00000500000000000000"/>
-              </a:rPr>
-              <a:t>REFERENCES</a:t>
-            </a:r>
-            <a:endParaRPr lang="en-US" sz="7070">
-              <a:solidFill>
-                <a:srgbClr val="000000"/>
-              </a:solidFill>
-              <a:latin typeface="Alegreya" panose="00000500000000000000"/>
-            </a:endParaRPr>
-          </a:p>
-        </p:txBody>
-      </p:sp>
-    </p:spTree>
-  </p:cSld>
-  <p:clrMapOvr>
-    <a:masterClrMapping/>
-  </p:clrMapOvr>
-</p:sld>
-</file>
-
-<file path=ppt/slides/slide15.xml><?xml version="1.0" encoding="utf-8"?>
 <p:sld xmlns:a="http://schemas.openxmlformats.org/drawingml/2006/main" xmlns:r="http://schemas.openxmlformats.org/officeDocument/2006/relationships" xmlns:p="http://schemas.openxmlformats.org/presentationml/2006/main">
   <p:cSld>
     <p:spTree>
@@ -3947,7 +3848,7 @@
     <p:bg>
       <p:bgPr>
         <a:solidFill>
-          <a:srgbClr val="E49A08"/>
+          <a:schemeClr val="bg1"/>
         </a:solidFill>
         <a:effectLst/>
       </p:bgPr>
@@ -3966,114 +3867,317 @@
           <a:chExt cx="0" cy="0"/>
         </a:xfrm>
       </p:grpSpPr>
-      <p:pic>
-        <p:nvPicPr>
-          <p:cNvPr id="2" name="Picture 2"/>
-          <p:cNvPicPr>
-            <a:picLocks noChangeAspect="1"/>
-          </p:cNvPicPr>
+      <p:sp>
+        <p:nvSpPr>
+          <p:cNvPr id="4" name="TextBox 4"/>
+          <p:cNvSpPr txBox="1"/>
           <p:nvPr/>
-        </p:nvPicPr>
-        <p:blipFill>
-          <a:blip r:embed="rId1">
-            <a:extLst>
-              <a:ext uri="{28A0092B-C50C-407E-A947-70E740481C1C}">
-                <a14:useLocalDpi xmlns:a14="http://schemas.microsoft.com/office/drawing/2010/main" val="0"/>
-              </a:ext>
-              <a:ext uri="{96DAC541-7B7A-43D3-8B79-37D633B846F1}">
-                <asvg:svgBlip xmlns:asvg="http://schemas.microsoft.com/office/drawing/2016/SVG/main" r:embed="rId2"/>
-              </a:ext>
-            </a:extLst>
-          </a:blip>
-          <a:srcRect/>
-          <a:stretch>
-            <a:fillRect/>
-          </a:stretch>
-        </p:blipFill>
+        </p:nvSpPr>
         <p:spPr>
           <a:xfrm>
-            <a:off x="1326953" y="1028700"/>
-            <a:ext cx="1816415" cy="1628169"/>
+            <a:off x="4114583" y="342605"/>
+            <a:ext cx="9196529" cy="1468755"/>
           </a:xfrm>
           <a:prstGeom prst="rect">
             <a:avLst/>
           </a:prstGeom>
         </p:spPr>
-      </p:pic>
-      <p:pic>
-        <p:nvPicPr>
-          <p:cNvPr id="3" name="Picture 3"/>
-          <p:cNvPicPr>
-            <a:picLocks noChangeAspect="1"/>
-          </p:cNvPicPr>
+        <p:txBody>
+          <a:bodyPr lIns="0" tIns="0" rIns="0" bIns="0" rtlCol="0" anchor="t">
+            <a:spAutoFit/>
+          </a:bodyPr>
+          <a:lstStyle/>
+          <a:p>
+            <a:pPr algn="just">
+              <a:lnSpc>
+                <a:spcPts val="11455"/>
+              </a:lnSpc>
+            </a:pPr>
+            <a:r>
+              <a:rPr lang="en-US" sz="9710">
+                <a:solidFill>
+                  <a:srgbClr val="000000"/>
+                </a:solidFill>
+                <a:latin typeface="Alegreya" panose="00000500000000000000"/>
+              </a:rPr>
+              <a:t>MOTIVATION</a:t>
+            </a:r>
+            <a:endParaRPr lang="en-US" sz="9710">
+              <a:solidFill>
+                <a:srgbClr val="000000"/>
+              </a:solidFill>
+              <a:latin typeface="Alegreya" panose="00000500000000000000"/>
+            </a:endParaRPr>
+          </a:p>
+        </p:txBody>
+      </p:sp>
+      <p:sp>
+        <p:nvSpPr>
+          <p:cNvPr id="9" name="TextBox 4"/>
+          <p:cNvSpPr txBox="1"/>
           <p:nvPr/>
-        </p:nvPicPr>
-        <p:blipFill>
-          <a:blip r:embed="rId1">
-            <a:extLst>
-              <a:ext uri="{28A0092B-C50C-407E-A947-70E740481C1C}">
-                <a14:useLocalDpi xmlns:a14="http://schemas.microsoft.com/office/drawing/2010/main" val="0"/>
-              </a:ext>
-              <a:ext uri="{96DAC541-7B7A-43D3-8B79-37D633B846F1}">
-                <asvg:svgBlip xmlns:asvg="http://schemas.microsoft.com/office/drawing/2016/SVG/main" r:embed="rId2"/>
-              </a:ext>
-            </a:extLst>
-          </a:blip>
-          <a:srcRect/>
-          <a:stretch>
-            <a:fillRect/>
-          </a:stretch>
-        </p:blipFill>
+        </p:nvSpPr>
         <p:spPr>
           <a:xfrm>
-            <a:off x="14841158" y="7348588"/>
-            <a:ext cx="2418142" cy="2167534"/>
+            <a:off x="304800" y="2095500"/>
+            <a:ext cx="9795510" cy="8284210"/>
           </a:xfrm>
           <a:prstGeom prst="rect">
             <a:avLst/>
           </a:prstGeom>
         </p:spPr>
-      </p:pic>
-      <p:sp>
-        <p:nvSpPr>
-          <p:cNvPr id="4" name="TextBox 4"/>
-          <p:cNvSpPr txBox="1"/>
-          <p:nvPr/>
-        </p:nvSpPr>
-        <p:spPr>
-          <a:xfrm>
-            <a:off x="4803558" y="4164670"/>
-            <a:ext cx="9196529" cy="1453412"/>
-          </a:xfrm>
-          <a:prstGeom prst="rect">
-            <a:avLst/>
-          </a:prstGeom>
-        </p:spPr>
-        <p:txBody>
-          <a:bodyPr lIns="0" tIns="0" rIns="0" bIns="0" rtlCol="0" anchor="t">
+        <p:txBody>
+          <a:bodyPr wrap="square" lIns="0" tIns="0" rIns="0" bIns="0" rtlCol="0" anchor="t">
             <a:spAutoFit/>
           </a:bodyPr>
-          <a:lstStyle/>
-          <a:p>
-            <a:pPr algn="just">
+          <a:p>
+            <a:pPr>
               <a:lnSpc>
-                <a:spcPts val="11455"/>
+                <a:spcPts val="5980"/>
               </a:lnSpc>
             </a:pPr>
             <a:r>
-              <a:rPr lang="en-US" sz="9710">
-                <a:solidFill>
-                  <a:srgbClr val="000000"/>
-                </a:solidFill>
-                <a:latin typeface="Alegreya" panose="00000500000000000000"/>
+              <a:rPr lang="en-GB" sz="4400"/>
+              <a:t>Real-Time System</a:t>
+            </a:r>
+            <a:endParaRPr lang="en-GB" sz="4400"/>
+          </a:p>
+          <a:p>
+            <a:pPr marL="571500" indent="-571500">
+              <a:lnSpc>
+                <a:spcPts val="5980"/>
+              </a:lnSpc>
+              <a:buFont typeface="Arial" panose="020B0604020202020204" pitchFamily="34" charset="0"/>
+              <a:buChar char="•"/>
+            </a:pPr>
+            <a:r>
+              <a:rPr lang="en-GB" sz="4400"/>
+              <a:t>hard and soft real-time system</a:t>
+            </a:r>
+            <a:endParaRPr lang="en-GB" sz="4400"/>
+          </a:p>
+          <a:p>
+            <a:pPr marL="571500" indent="-571500">
+              <a:lnSpc>
+                <a:spcPts val="5980"/>
+              </a:lnSpc>
+              <a:buFont typeface="Arial" panose="020B0604020202020204" pitchFamily="34" charset="0"/>
+              <a:buChar char="•"/>
+            </a:pPr>
+            <a:r>
+              <a:rPr lang="en-GB" sz="4400"/>
+              <a:t>Periodic and Aperiodic servers</a:t>
+            </a:r>
+            <a:endParaRPr sz="4400"/>
+          </a:p>
+          <a:p>
+            <a:pPr>
+              <a:lnSpc>
+                <a:spcPts val="5980"/>
+              </a:lnSpc>
+            </a:pPr>
+          </a:p>
+          <a:p>
+            <a:pPr>
+              <a:lnSpc>
+                <a:spcPts val="4520"/>
+              </a:lnSpc>
+            </a:pPr>
+            <a:r>
+              <a:rPr lang="en-GB" altLang="en-US" sz="4400">
+                <a:solidFill>
+                  <a:schemeClr val="tx1"/>
+                </a:solidFill>
+                <a:latin typeface="+mj-lt"/>
+                <a:cs typeface="+mj-lt"/>
               </a:rPr>
-              <a:t>MOTIVATION</a:t>
-            </a:r>
-            <a:endParaRPr lang="en-US" sz="9710">
+              <a:t>Priority Servers</a:t>
+            </a:r>
+            <a:endParaRPr lang="en-GB" altLang="en-US" sz="4400">
               <a:solidFill>
-                <a:srgbClr val="000000"/>
+                <a:schemeClr val="tx1"/>
               </a:solidFill>
-              <a:latin typeface="Alegreya" panose="00000500000000000000"/>
+              <a:latin typeface="+mj-lt"/>
+              <a:cs typeface="+mj-lt"/>
+            </a:endParaRPr>
+          </a:p>
+          <a:p>
+            <a:pPr marL="457200" indent="-457200">
+              <a:lnSpc>
+                <a:spcPts val="4520"/>
+              </a:lnSpc>
+              <a:buFont typeface="Arial" panose="020B0604020202020204" pitchFamily="34" charset="0"/>
+              <a:buChar char="•"/>
+            </a:pPr>
+            <a:r>
+              <a:rPr lang="en-GB" altLang="en-US" sz="4400">
+                <a:solidFill>
+                  <a:schemeClr val="tx1"/>
+                </a:solidFill>
+                <a:latin typeface="+mj-lt"/>
+                <a:cs typeface="+mj-lt"/>
+              </a:rPr>
+              <a:t>Fix Priority and dynamic Priority servers</a:t>
+            </a:r>
+            <a:endParaRPr lang="en-GB" altLang="en-US" sz="4400">
+              <a:solidFill>
+                <a:schemeClr val="tx1"/>
+              </a:solidFill>
+              <a:latin typeface="+mj-lt"/>
+              <a:cs typeface="+mj-lt"/>
+            </a:endParaRPr>
+          </a:p>
+          <a:p>
+            <a:pPr marL="457200" indent="-457200">
+              <a:lnSpc>
+                <a:spcPts val="4520"/>
+              </a:lnSpc>
+              <a:buFont typeface="Arial" panose="020B0604020202020204" pitchFamily="34" charset="0"/>
+              <a:buChar char="•"/>
+            </a:pPr>
+            <a:endParaRPr lang="en-GB" altLang="en-US" sz="4400">
+              <a:solidFill>
+                <a:schemeClr val="tx1"/>
+              </a:solidFill>
+              <a:latin typeface="+mj-lt"/>
+              <a:cs typeface="+mj-lt"/>
+            </a:endParaRPr>
+          </a:p>
+          <a:p>
+            <a:pPr indent="0">
+              <a:lnSpc>
+                <a:spcPts val="4520"/>
+              </a:lnSpc>
+              <a:buFont typeface="Arial" panose="020B0604020202020204" pitchFamily="34" charset="0"/>
+              <a:buNone/>
+            </a:pPr>
+            <a:r>
+              <a:rPr lang="en-GB" altLang="en-US" sz="4400">
+                <a:solidFill>
+                  <a:schemeClr val="tx1"/>
+                </a:solidFill>
+                <a:latin typeface="+mj-lt"/>
+                <a:cs typeface="+mj-lt"/>
+              </a:rPr>
+              <a:t>Dynamic Priority Servers</a:t>
+            </a:r>
+            <a:endParaRPr lang="en-GB" altLang="en-US" sz="4400">
+              <a:solidFill>
+                <a:schemeClr val="tx1"/>
+              </a:solidFill>
+              <a:latin typeface="+mj-lt"/>
+              <a:cs typeface="+mj-lt"/>
+            </a:endParaRPr>
+          </a:p>
+          <a:p>
+            <a:pPr marL="571500" indent="-571500">
+              <a:lnSpc>
+                <a:spcPts val="4520"/>
+              </a:lnSpc>
+              <a:buFont typeface="Arial" panose="020B0604020202020204" pitchFamily="34" charset="0"/>
+              <a:buChar char="•"/>
+            </a:pPr>
+            <a:r>
+              <a:rPr lang="en-GB" altLang="en-US" sz="4400">
+                <a:solidFill>
+                  <a:schemeClr val="tx1"/>
+                </a:solidFill>
+                <a:latin typeface="+mj-lt"/>
+                <a:cs typeface="+mj-lt"/>
+              </a:rPr>
+              <a:t>Dynamic Priority Exchnge Server(DPE)</a:t>
+            </a:r>
+            <a:endParaRPr lang="en-GB" altLang="en-US" sz="4400">
+              <a:solidFill>
+                <a:schemeClr val="tx1"/>
+              </a:solidFill>
+              <a:latin typeface="+mj-lt"/>
+              <a:cs typeface="+mj-lt"/>
+            </a:endParaRPr>
+          </a:p>
+          <a:p>
+            <a:pPr marL="571500" indent="-571500">
+              <a:lnSpc>
+                <a:spcPts val="4520"/>
+              </a:lnSpc>
+              <a:buFont typeface="Arial" panose="020B0604020202020204" pitchFamily="34" charset="0"/>
+              <a:buChar char="•"/>
+            </a:pPr>
+            <a:r>
+              <a:rPr lang="en-GB" altLang="en-US" sz="4400">
+                <a:solidFill>
+                  <a:schemeClr val="tx1"/>
+                </a:solidFill>
+                <a:latin typeface="+mj-lt"/>
+                <a:cs typeface="+mj-lt"/>
+              </a:rPr>
+              <a:t>Earliest Deadline Late Server(EDL)</a:t>
+            </a:r>
+            <a:endParaRPr lang="en-GB" altLang="en-US" sz="4400">
+              <a:solidFill>
+                <a:schemeClr val="tx1"/>
+              </a:solidFill>
+              <a:latin typeface="+mj-lt"/>
+              <a:cs typeface="+mj-lt"/>
+            </a:endParaRPr>
+          </a:p>
+          <a:p>
+            <a:pPr marL="571500" indent="-571500">
+              <a:lnSpc>
+                <a:spcPts val="4520"/>
+              </a:lnSpc>
+              <a:buFont typeface="Arial" panose="020B0604020202020204" pitchFamily="34" charset="0"/>
+              <a:buChar char="•"/>
+            </a:pPr>
+            <a:r>
+              <a:rPr lang="en-GB" altLang="en-US" sz="4400">
+                <a:solidFill>
+                  <a:schemeClr val="tx1"/>
+                </a:solidFill>
+                <a:latin typeface="+mj-lt"/>
+                <a:cs typeface="+mj-lt"/>
+              </a:rPr>
+              <a:t>Improved Priority Exchange Server(IPE)</a:t>
+            </a:r>
+            <a:endParaRPr lang="en-GB" altLang="en-US" sz="4400">
+              <a:solidFill>
+                <a:schemeClr val="tx1"/>
+              </a:solidFill>
+              <a:latin typeface="+mj-lt"/>
+              <a:cs typeface="+mj-lt"/>
+            </a:endParaRPr>
+          </a:p>
+          <a:p>
+            <a:pPr marL="571500" indent="-571500">
+              <a:lnSpc>
+                <a:spcPts val="4520"/>
+              </a:lnSpc>
+              <a:buFont typeface="Arial" panose="020B0604020202020204" pitchFamily="34" charset="0"/>
+              <a:buChar char="•"/>
+            </a:pPr>
+            <a:endParaRPr lang="en-US" sz="4400">
+              <a:solidFill>
+                <a:schemeClr val="tx1"/>
+              </a:solidFill>
+              <a:latin typeface="+mj-lt"/>
+              <a:cs typeface="+mj-lt"/>
+            </a:endParaRPr>
+          </a:p>
+          <a:p>
+            <a:pPr>
+              <a:lnSpc>
+                <a:spcPts val="4520"/>
+              </a:lnSpc>
+              <a:spcBef>
+                <a:spcPct val="0"/>
+              </a:spcBef>
+            </a:pPr>
+            <a:endParaRPr lang="en-US" sz="4400">
+              <a:solidFill>
+                <a:schemeClr val="tx1"/>
+              </a:solidFill>
+              <a:latin typeface="+mj-lt"/>
+              <a:cs typeface="+mj-lt"/>
             </a:endParaRPr>
           </a:p>
         </p:txBody>
@@ -4089,14 +4193,6 @@
 <file path=ppt/slides/slide3.xml><?xml version="1.0" encoding="utf-8"?>
 <p:sld xmlns:a="http://schemas.openxmlformats.org/drawingml/2006/main" xmlns:r="http://schemas.openxmlformats.org/officeDocument/2006/relationships" xmlns:p="http://schemas.openxmlformats.org/presentationml/2006/main">
   <p:cSld>
-    <p:bg>
-      <p:bgPr>
-        <a:solidFill>
-          <a:srgbClr val="A276B6"/>
-        </a:solidFill>
-        <a:effectLst/>
-      </p:bgPr>
-    </p:bg>
     <p:spTree>
       <p:nvGrpSpPr>
         <p:cNvPr id="1" name=""/>
@@ -4113,14 +4209,14 @@
       </p:grpSpPr>
       <p:sp>
         <p:nvSpPr>
-          <p:cNvPr id="2" name="TextBox 2"/>
+          <p:cNvPr id="3" name="TextBox 3"/>
           <p:cNvSpPr txBox="1"/>
           <p:nvPr/>
         </p:nvSpPr>
         <p:spPr>
           <a:xfrm>
-            <a:off x="850849" y="1558274"/>
-            <a:ext cx="15681720" cy="726751"/>
+            <a:off x="0" y="161125"/>
+            <a:ext cx="17259300" cy="1719554"/>
           </a:xfrm>
           <a:prstGeom prst="rect">
             <a:avLst/>
@@ -4132,39 +4228,42 @@
           </a:bodyPr>
           <a:lstStyle/>
           <a:p>
-            <a:pPr>
+            <a:pPr marL="0" lvl="0" indent="0" algn="ctr">
               <a:lnSpc>
-                <a:spcPts val="5750"/>
+                <a:spcPts val="6775"/>
               </a:lnSpc>
+              <a:spcBef>
+                <a:spcPct val="0"/>
+              </a:spcBef>
             </a:pPr>
             <a:r>
-              <a:rPr lang="en-US" sz="4870">
-                <a:solidFill>
-                  <a:srgbClr val="000000"/>
-                </a:solidFill>
-                <a:latin typeface="Alegreya SC" panose="00000500000000000000"/>
+              <a:rPr lang="en-US" sz="5740" u="none">
+                <a:solidFill>
+                  <a:srgbClr val="731F7D"/>
+                </a:solidFill>
+                <a:latin typeface="Alegreya" panose="00000500000000000000"/>
               </a:rPr>
-              <a:t>To define our algorithm we assume the following</a:t>
-            </a:r>
-            <a:endParaRPr lang="en-US" sz="4870">
+              <a:t>IMPROVED PRIORITY EXCHANGE SERVER DEFINITION</a:t>
+            </a:r>
+            <a:endParaRPr lang="en-US" sz="5740" u="none">
               <a:solidFill>
-                <a:srgbClr val="000000"/>
+                <a:srgbClr val="731F7D"/>
               </a:solidFill>
-              <a:latin typeface="Alegreya SC" panose="00000500000000000000"/>
+              <a:latin typeface="Alegreya" panose="00000500000000000000"/>
             </a:endParaRPr>
           </a:p>
         </p:txBody>
       </p:sp>
       <p:sp>
         <p:nvSpPr>
-          <p:cNvPr id="3" name="TextBox 3"/>
+          <p:cNvPr id="4" name="TextBox 4"/>
           <p:cNvSpPr txBox="1"/>
           <p:nvPr/>
         </p:nvSpPr>
         <p:spPr>
           <a:xfrm>
-            <a:off x="130707" y="3112355"/>
-            <a:ext cx="18026586" cy="6417310"/>
+            <a:off x="152400" y="2629168"/>
+            <a:ext cx="18147072" cy="5278120"/>
           </a:xfrm>
           <a:prstGeom prst="rect">
             <a:avLst/>
@@ -4176,177 +4275,73 @@
           </a:bodyPr>
           <a:lstStyle/>
           <a:p>
-            <a:pPr marL="800100" lvl="1" indent="-400050">
+            <a:pPr marL="1057910" lvl="1" indent="-528955">
               <a:lnSpc>
-                <a:spcPts val="8340"/>
+                <a:spcPts val="6860"/>
               </a:lnSpc>
               <a:buFont typeface="Arial" panose="020B0604020202020204"/>
               <a:buChar char="•"/>
             </a:pPr>
             <a:r>
-              <a:rPr lang="en-US" sz="3705">
-                <a:solidFill>
-                  <a:srgbClr val="000000"/>
-                </a:solidFill>
-                <a:latin typeface="Open Sans Light Bold" panose="020B0806030504020204"/>
+              <a:rPr lang="en-US" sz="3600">
+                <a:solidFill>
+                  <a:srgbClr val="497399"/>
+                </a:solidFill>
+                <a:latin typeface="Alegreya" panose="00000500000000000000"/>
               </a:rPr>
-              <a:t>Every periodic tasks t</a:t>
-            </a:r>
-            <a:r>
-              <a:rPr lang="en-US" sz="2400">
-                <a:solidFill>
-                  <a:srgbClr val="000000"/>
-                </a:solidFill>
-                <a:latin typeface="Open Sans Light Bold" panose="020B0806030504020204"/>
-              </a:rPr>
-              <a:t>i</a:t>
-            </a:r>
-            <a:r>
-              <a:rPr lang="en-US" sz="3705">
-                <a:solidFill>
-                  <a:srgbClr val="000000"/>
-                </a:solidFill>
-                <a:latin typeface="Open Sans Light Bold" panose="020B0806030504020204"/>
-              </a:rPr>
-              <a:t> : i = 1,..,n have hard deadlines;</a:t>
-            </a:r>
-            <a:endParaRPr lang="en-US" sz="3705">
+              <a:t>The IPE server improves the responsiveness of DPE by making periodic tasks as late as possible.</a:t>
+            </a:r>
+            <a:endParaRPr lang="en-US" sz="3600">
               <a:solidFill>
-                <a:srgbClr val="000000"/>
+                <a:srgbClr val="497399"/>
               </a:solidFill>
-              <a:latin typeface="Open Sans Light Bold" panose="020B0806030504020204"/>
+              <a:latin typeface="Alegreya" panose="00000500000000000000"/>
             </a:endParaRPr>
           </a:p>
           <a:p>
-            <a:pPr marL="800100" lvl="1" indent="-400050">
+            <a:pPr marL="1057910" lvl="1" indent="-528955">
               <a:lnSpc>
-                <a:spcPts val="8340"/>
+                <a:spcPts val="6860"/>
               </a:lnSpc>
               <a:buFont typeface="Arial" panose="020B0604020202020204"/>
               <a:buChar char="•"/>
             </a:pPr>
             <a:r>
-              <a:rPr lang="en-US" sz="3705">
-                <a:solidFill>
-                  <a:srgbClr val="000000"/>
-                </a:solidFill>
-                <a:latin typeface="Open Sans Light Bold" panose="020B0806030504020204"/>
+              <a:rPr lang="en-US" sz="3600">
+                <a:solidFill>
+                  <a:srgbClr val="497399"/>
+                </a:solidFill>
+                <a:latin typeface="Alegreya" panose="00000500000000000000"/>
               </a:rPr>
-              <a:t>Every aperiodic task J</a:t>
-            </a:r>
-            <a:r>
-              <a:rPr lang="en-US" sz="2400">
-                <a:solidFill>
-                  <a:srgbClr val="000000"/>
-                </a:solidFill>
-                <a:latin typeface="Open Sans Light Bold" panose="020B0806030504020204"/>
-              </a:rPr>
-              <a:t>i</a:t>
-            </a:r>
-            <a:r>
-              <a:rPr lang="en-US" sz="3705">
-                <a:solidFill>
-                  <a:srgbClr val="000000"/>
-                </a:solidFill>
-                <a:latin typeface="Open Sans Light Bold" panose="020B0806030504020204"/>
-              </a:rPr>
-              <a:t>: i = 1,....,m do not have deadlines;</a:t>
-            </a:r>
-            <a:endParaRPr lang="en-US" sz="3705">
+              <a:t>Regardless of the deadline of any other tasks, it runs as the highest priority task if there is capacity.</a:t>
+            </a:r>
+            <a:endParaRPr lang="en-US" sz="3600">
               <a:solidFill>
-                <a:srgbClr val="000000"/>
+                <a:srgbClr val="497399"/>
               </a:solidFill>
-              <a:latin typeface="Open Sans Light Bold" panose="020B0806030504020204"/>
+              <a:latin typeface="Alegreya" panose="00000500000000000000"/>
             </a:endParaRPr>
           </a:p>
           <a:p>
-            <a:pPr marL="800100" lvl="1" indent="-400050">
+            <a:pPr marL="1057910" lvl="1" indent="-528955">
               <a:lnSpc>
-                <a:spcPts val="8340"/>
+                <a:spcPts val="6860"/>
               </a:lnSpc>
               <a:buFont typeface="Arial" panose="020B0604020202020204"/>
               <a:buChar char="•"/>
             </a:pPr>
             <a:r>
-              <a:rPr lang="en-US" sz="3705">
-                <a:solidFill>
-                  <a:srgbClr val="000000"/>
-                </a:solidFill>
-                <a:latin typeface="Open Sans Light Bold" panose="020B0806030504020204"/>
-              </a:rPr>
-              <a:t>Each aperiodic request entering the system has a known execution time but does not have an arrival time;</a:t>
-            </a:r>
-            <a:endParaRPr lang="en-US" sz="3705">
-              <a:solidFill>
-                <a:srgbClr val="000000"/>
-              </a:solidFill>
-              <a:latin typeface="Open Sans Light Bold" panose="020B0806030504020204"/>
-            </a:endParaRPr>
-          </a:p>
-          <a:p>
-            <a:pPr marL="800100" lvl="1" indent="-400050">
-              <a:lnSpc>
-                <a:spcPts val="8340"/>
-              </a:lnSpc>
-              <a:buFont typeface="Arial" panose="020B0604020202020204"/>
-              <a:buChar char="•"/>
-            </a:pPr>
-            <a:r>
-              <a:rPr lang="en-US" sz="3705">
-                <a:solidFill>
-                  <a:srgbClr val="000000"/>
-                </a:solidFill>
-                <a:latin typeface="Open Sans Light Bold" panose="020B0806030504020204"/>
-              </a:rPr>
-              <a:t>Every periodic task starts at t=0, and their close deadlines are equal to the periods</a:t>
-            </a:r>
-            <a:endParaRPr lang="en-US" sz="3705">
-              <a:solidFill>
-                <a:srgbClr val="000000"/>
-              </a:solidFill>
-              <a:latin typeface="Open Sans Light Bold" panose="020B0806030504020204"/>
-            </a:endParaRPr>
-          </a:p>
-        </p:txBody>
-      </p:sp>
-      <p:sp>
-        <p:nvSpPr>
-          <p:cNvPr id="4" name="TextBox 4"/>
-          <p:cNvSpPr txBox="1"/>
-          <p:nvPr/>
-        </p:nvSpPr>
-        <p:spPr>
-          <a:xfrm>
-            <a:off x="0" y="15224"/>
-            <a:ext cx="11939787" cy="1533525"/>
-          </a:xfrm>
-          <a:prstGeom prst="rect">
-            <a:avLst/>
-          </a:prstGeom>
-        </p:spPr>
-        <p:txBody>
-          <a:bodyPr lIns="0" tIns="0" rIns="0" bIns="0" rtlCol="0" anchor="t">
-            <a:spAutoFit/>
-          </a:bodyPr>
-          <a:lstStyle/>
-          <a:p>
-            <a:pPr algn="ctr">
-              <a:lnSpc>
-                <a:spcPts val="12600"/>
-              </a:lnSpc>
-            </a:pPr>
-            <a:r>
-              <a:rPr lang="en-US" sz="9000">
-                <a:solidFill>
-                  <a:srgbClr val="000000"/>
+              <a:rPr lang="en-US" sz="3600">
+                <a:solidFill>
+                  <a:srgbClr val="497399"/>
                 </a:solidFill>
                 <a:latin typeface="Alegreya" panose="00000500000000000000"/>
               </a:rPr>
-              <a:t>ASSUMPTIONS</a:t>
-            </a:r>
-            <a:endParaRPr lang="en-US" sz="9000">
+              <a:t>capacity is replenished at precomputed times with a precomputed value, if this is not the case, then it is the same as DPE.</a:t>
+            </a:r>
+            <a:endParaRPr lang="en-US" sz="3600">
               <a:solidFill>
-                <a:srgbClr val="000000"/>
+                <a:srgbClr val="497399"/>
               </a:solidFill>
               <a:latin typeface="Alegreya" panose="00000500000000000000"/>
             </a:endParaRPr>
@@ -4387,25 +4382,16 @@
           <p:nvPr/>
         </p:nvPicPr>
         <p:blipFill>
-          <a:blip r:embed="rId1">
-            <a:extLst>
-              <a:ext uri="{28A0092B-C50C-407E-A947-70E740481C1C}">
-                <a14:useLocalDpi xmlns:a14="http://schemas.microsoft.com/office/drawing/2010/main" val="0"/>
-              </a:ext>
-              <a:ext uri="{96DAC541-7B7A-43D3-8B79-37D633B846F1}">
-                <asvg:svgBlip xmlns:asvg="http://schemas.microsoft.com/office/drawing/2016/SVG/main" r:embed="rId2"/>
-              </a:ext>
-            </a:extLst>
-          </a:blip>
-          <a:srcRect/>
+          <a:blip r:embed="rId1"/>
+          <a:srcRect t="1390" b="1390"/>
           <a:stretch>
             <a:fillRect/>
           </a:stretch>
         </p:blipFill>
         <p:spPr>
           <a:xfrm>
-            <a:off x="16916551" y="723917"/>
-            <a:ext cx="989772" cy="887196"/>
+            <a:off x="1405753" y="886827"/>
+            <a:ext cx="15476495" cy="8080285"/>
           </a:xfrm>
           <a:prstGeom prst="rect">
             <a:avLst/>
@@ -4420,8 +4406,8 @@
         </p:nvSpPr>
         <p:spPr>
           <a:xfrm>
-            <a:off x="0" y="161125"/>
-            <a:ext cx="17259300" cy="1719554"/>
+            <a:off x="1405753" y="9328735"/>
+            <a:ext cx="15476495" cy="580390"/>
           </a:xfrm>
           <a:prstGeom prst="rect">
             <a:avLst/>
@@ -4433,146 +4419,25 @@
           </a:bodyPr>
           <a:lstStyle/>
           <a:p>
-            <a:pPr marL="0" lvl="0" indent="0" algn="ctr">
+            <a:pPr algn="ctr">
               <a:lnSpc>
-                <a:spcPts val="6775"/>
+                <a:spcPts val="4760"/>
               </a:lnSpc>
-              <a:spcBef>
-                <a:spcPct val="0"/>
-              </a:spcBef>
             </a:pPr>
             <a:r>
-              <a:rPr lang="en-US" sz="5740" u="none">
-                <a:solidFill>
-                  <a:srgbClr val="731F7D"/>
-                </a:solidFill>
-                <a:latin typeface="Alegreya" panose="00000500000000000000"/>
+              <a:rPr lang="en-US" sz="3400">
+                <a:solidFill>
+                  <a:srgbClr val="000000"/>
+                </a:solidFill>
+                <a:latin typeface="Open Sans Light Bold" panose="020B0806030504020204"/>
               </a:rPr>
-              <a:t>IMPROVED PRIORITY EXCHANGE SERVER DEFINITION</a:t>
-            </a:r>
-            <a:endParaRPr lang="en-US" sz="5740" u="none">
+              <a:t>Example of an IPE server taken from [1]</a:t>
+            </a:r>
+            <a:endParaRPr lang="en-US" sz="3400">
               <a:solidFill>
-                <a:srgbClr val="731F7D"/>
+                <a:srgbClr val="000000"/>
               </a:solidFill>
-              <a:latin typeface="Alegreya" panose="00000500000000000000"/>
-            </a:endParaRPr>
-          </a:p>
-        </p:txBody>
-      </p:sp>
-      <p:sp>
-        <p:nvSpPr>
-          <p:cNvPr id="4" name="TextBox 4"/>
-          <p:cNvSpPr txBox="1"/>
-          <p:nvPr/>
-        </p:nvSpPr>
-        <p:spPr>
-          <a:xfrm>
-            <a:off x="0" y="2090053"/>
-            <a:ext cx="18147072" cy="7771765"/>
-          </a:xfrm>
-          <a:prstGeom prst="rect">
-            <a:avLst/>
-          </a:prstGeom>
-        </p:spPr>
-        <p:txBody>
-          <a:bodyPr lIns="0" tIns="0" rIns="0" bIns="0" rtlCol="0" anchor="t">
-            <a:spAutoFit/>
-          </a:bodyPr>
-          <a:lstStyle/>
-          <a:p>
-            <a:pPr marL="1057910" lvl="1" indent="-528955">
-              <a:lnSpc>
-                <a:spcPts val="6860"/>
-              </a:lnSpc>
-              <a:buFont typeface="Arial" panose="020B0604020202020204"/>
-              <a:buChar char="•"/>
-            </a:pPr>
-            <a:r>
-              <a:rPr lang="en-US" sz="4900">
-                <a:solidFill>
-                  <a:srgbClr val="497399"/>
-                </a:solidFill>
-                <a:latin typeface="Alegreya" panose="00000500000000000000"/>
-              </a:rPr>
-              <a:t>The IPE server improves the responsiveness of DPE by making periodic tasks as late as possible.</a:t>
-            </a:r>
-            <a:endParaRPr lang="en-US" sz="4900">
-              <a:solidFill>
-                <a:srgbClr val="497399"/>
-              </a:solidFill>
-              <a:latin typeface="Alegreya" panose="00000500000000000000"/>
-            </a:endParaRPr>
-          </a:p>
-          <a:p>
-            <a:pPr marL="1057910" lvl="1" indent="-528955">
-              <a:lnSpc>
-                <a:spcPts val="6860"/>
-              </a:lnSpc>
-              <a:buFont typeface="Arial" panose="020B0604020202020204"/>
-              <a:buChar char="•"/>
-            </a:pPr>
-            <a:r>
-              <a:rPr lang="en-US" sz="4900">
-                <a:solidFill>
-                  <a:srgbClr val="497399"/>
-                </a:solidFill>
-                <a:latin typeface="Alegreya" panose="00000500000000000000"/>
-              </a:rPr>
-              <a:t>Regardless of the deadline of any other tasks, it runs as the highest priority task if there is capacity.</a:t>
-            </a:r>
-            <a:endParaRPr lang="en-US" sz="4900">
-              <a:solidFill>
-                <a:srgbClr val="497399"/>
-              </a:solidFill>
-              <a:latin typeface="Alegreya" panose="00000500000000000000"/>
-            </a:endParaRPr>
-          </a:p>
-          <a:p>
-            <a:pPr marL="1057910" lvl="1" indent="-528955">
-              <a:lnSpc>
-                <a:spcPts val="6860"/>
-              </a:lnSpc>
-              <a:buFont typeface="Arial" panose="020B0604020202020204"/>
-              <a:buChar char="•"/>
-            </a:pPr>
-            <a:r>
-              <a:rPr lang="en-US" sz="4900">
-                <a:solidFill>
-                  <a:srgbClr val="497399"/>
-                </a:solidFill>
-                <a:latin typeface="Alegreya" panose="00000500000000000000"/>
-              </a:rPr>
-              <a:t>capacity is replenished at precomputed times with a precomputed value, if this is not the case, then it is the same as DPE.</a:t>
-            </a:r>
-            <a:endParaRPr lang="en-US" sz="4900">
-              <a:solidFill>
-                <a:srgbClr val="497399"/>
-              </a:solidFill>
-              <a:latin typeface="Alegreya" panose="00000500000000000000"/>
-            </a:endParaRPr>
-          </a:p>
-          <a:p>
-            <a:pPr marL="1057910" lvl="1" indent="-528955">
-              <a:lnSpc>
-                <a:spcPts val="6860"/>
-              </a:lnSpc>
-              <a:buFont typeface="Arial" panose="020B0604020202020204"/>
-              <a:buChar char="•"/>
-            </a:pPr>
-            <a:r>
-              <a:rPr lang="en-US" sz="4900">
-                <a:solidFill>
-                  <a:srgbClr val="497399"/>
-                </a:solidFill>
-                <a:latin typeface="Alegreya" panose="00000500000000000000"/>
-              </a:rPr>
-              <a:t>Its other rules (aperiodic requests and periodic instances executions, exchange and consumption of capacities) are the same as for a DPE server but with a bigger memory demand.</a:t>
-            </a:r>
-            <a:endParaRPr lang="en-US" sz="4900">
-              <a:solidFill>
-                <a:srgbClr val="497399"/>
-              </a:solidFill>
-              <a:latin typeface="Alegreya" panose="00000500000000000000"/>
+              <a:latin typeface="Open Sans Light Bold" panose="020B0806030504020204"/>
             </a:endParaRPr>
           </a:p>
         </p:txBody>
@@ -4602,31 +4467,50 @@
           <a:chExt cx="0" cy="0"/>
         </a:xfrm>
       </p:grpSpPr>
-      <p:pic>
-        <p:nvPicPr>
-          <p:cNvPr id="2" name="Picture 2"/>
-          <p:cNvPicPr>
-            <a:picLocks noChangeAspect="1"/>
-          </p:cNvPicPr>
+      <p:sp>
+        <p:nvSpPr>
+          <p:cNvPr id="2" name="TextBox 2"/>
+          <p:cNvSpPr txBox="1"/>
           <p:nvPr/>
-        </p:nvPicPr>
-        <p:blipFill>
-          <a:blip r:embed="rId1"/>
-          <a:srcRect t="1390" b="1390"/>
-          <a:stretch>
-            <a:fillRect/>
-          </a:stretch>
-        </p:blipFill>
+        </p:nvSpPr>
         <p:spPr>
           <a:xfrm>
-            <a:off x="1405753" y="734427"/>
-            <a:ext cx="15476495" cy="8080285"/>
+            <a:off x="770755" y="19050"/>
+            <a:ext cx="17210814" cy="1191895"/>
           </a:xfrm>
           <a:prstGeom prst="rect">
             <a:avLst/>
           </a:prstGeom>
         </p:spPr>
-      </p:pic>
+        <p:txBody>
+          <a:bodyPr lIns="0" tIns="0" rIns="0" bIns="0" rtlCol="0" anchor="t">
+            <a:spAutoFit/>
+          </a:bodyPr>
+          <a:lstStyle/>
+          <a:p>
+            <a:pPr>
+              <a:lnSpc>
+                <a:spcPts val="9440"/>
+              </a:lnSpc>
+            </a:pPr>
+            <a:r>
+              <a:rPr lang="en-US" sz="8000">
+                <a:solidFill>
+                  <a:srgbClr val="4D1354"/>
+                </a:solidFill>
+                <a:latin typeface="Alegreya" panose="00000500000000000000"/>
+              </a:rPr>
+              <a:t>SCHEDULABILITY OF AN IPE Server</a:t>
+            </a:r>
+            <a:endParaRPr lang="en-US" sz="8000">
+              <a:solidFill>
+                <a:srgbClr val="4D1354"/>
+              </a:solidFill>
+              <a:latin typeface="Alegreya" panose="00000500000000000000"/>
+            </a:endParaRPr>
+          </a:p>
+        </p:txBody>
+      </p:sp>
       <p:sp>
         <p:nvSpPr>
           <p:cNvPr id="3" name="TextBox 3"/>
@@ -4635,8 +4519,8 @@
         </p:nvSpPr>
         <p:spPr>
           <a:xfrm>
-            <a:off x="1405753" y="9328735"/>
-            <a:ext cx="15476495" cy="580390"/>
+            <a:off x="302626" y="1473058"/>
+            <a:ext cx="18145336" cy="5278120"/>
           </a:xfrm>
           <a:prstGeom prst="rect">
             <a:avLst/>
@@ -4648,25 +4532,69 @@
           </a:bodyPr>
           <a:lstStyle/>
           <a:p>
-            <a:pPr algn="ctr">
+            <a:pPr>
               <a:lnSpc>
-                <a:spcPts val="4760"/>
+                <a:spcPts val="6860"/>
               </a:lnSpc>
             </a:pPr>
             <a:r>
-              <a:rPr lang="en-US" sz="3400">
-                <a:solidFill>
-                  <a:srgbClr val="000000"/>
-                </a:solidFill>
-                <a:latin typeface="Open Sans Light Bold" panose="020B0806030504020204"/>
+              <a:rPr lang="en-US" sz="4900">
+                <a:solidFill>
+                  <a:srgbClr val="497399"/>
+                </a:solidFill>
+                <a:latin typeface="Alegreya" panose="00000500000000000000"/>
               </a:rPr>
-              <a:t>Example of an IPE server taken from [1]</a:t>
-            </a:r>
-            <a:endParaRPr lang="en-US" sz="3400">
+              <a:t>The IPE Server schedulability is defined as:</a:t>
+            </a:r>
+            <a:endParaRPr lang="en-US" sz="4900">
               <a:solidFill>
-                <a:srgbClr val="000000"/>
+                <a:srgbClr val="497399"/>
               </a:solidFill>
-              <a:latin typeface="Open Sans Light Bold" panose="020B0806030504020204"/>
+              <a:latin typeface="Alegreya" panose="00000500000000000000"/>
+            </a:endParaRPr>
+          </a:p>
+          <a:p>
+            <a:pPr marL="1057910" lvl="1" indent="-528955">
+              <a:lnSpc>
+                <a:spcPts val="6860"/>
+              </a:lnSpc>
+              <a:buFont typeface="Arial" panose="020B0604020202020204"/>
+              <a:buChar char="•"/>
+            </a:pPr>
+            <a:r>
+              <a:rPr lang="en-US" sz="4900">
+                <a:solidFill>
+                  <a:srgbClr val="497399"/>
+                </a:solidFill>
+                <a:latin typeface="Alegreya" panose="00000500000000000000"/>
+              </a:rPr>
+              <a:t> for each execution of a periodic instance during a dead-line exchange (i.e., a rise in the associated aperiodic capacity), it is delayed until the capacity is exhausted.</a:t>
+            </a:r>
+            <a:endParaRPr lang="en-US" sz="4900">
+              <a:solidFill>
+                <a:srgbClr val="497399"/>
+              </a:solidFill>
+              <a:latin typeface="Alegreya" panose="00000500000000000000"/>
+            </a:endParaRPr>
+          </a:p>
+          <a:p>
+            <a:pPr>
+              <a:lnSpc>
+                <a:spcPts val="6860"/>
+              </a:lnSpc>
+            </a:pPr>
+          </a:p>
+          <a:p>
+            <a:pPr>
+              <a:lnSpc>
+                <a:spcPts val="6860"/>
+              </a:lnSpc>
+            </a:pPr>
+            <a:endParaRPr lang="en-US" sz="4900">
+              <a:solidFill>
+                <a:srgbClr val="497399"/>
+              </a:solidFill>
+              <a:latin typeface="Alegreya" panose="00000500000000000000"/>
             </a:endParaRPr>
           </a:p>
         </p:txBody>
@@ -4680,259 +4608,6 @@
 </file>
 
 <file path=ppt/slides/slide6.xml><?xml version="1.0" encoding="utf-8"?>
-<p:sld xmlns:a="http://schemas.openxmlformats.org/drawingml/2006/main" xmlns:r="http://schemas.openxmlformats.org/officeDocument/2006/relationships" xmlns:p="http://schemas.openxmlformats.org/presentationml/2006/main">
-  <p:cSld>
-    <p:spTree>
-      <p:nvGrpSpPr>
-        <p:cNvPr id="1" name=""/>
-        <p:cNvGrpSpPr/>
-        <p:nvPr/>
-      </p:nvGrpSpPr>
-      <p:grpSpPr>
-        <a:xfrm>
-          <a:off x="0" y="0"/>
-          <a:ext cx="0" cy="0"/>
-          <a:chOff x="0" y="0"/>
-          <a:chExt cx="0" cy="0"/>
-        </a:xfrm>
-      </p:grpSpPr>
-      <p:sp>
-        <p:nvSpPr>
-          <p:cNvPr id="2" name="TextBox 2"/>
-          <p:cNvSpPr txBox="1"/>
-          <p:nvPr/>
-        </p:nvSpPr>
-        <p:spPr>
-          <a:xfrm>
-            <a:off x="770755" y="19050"/>
-            <a:ext cx="17210814" cy="1191895"/>
-          </a:xfrm>
-          <a:prstGeom prst="rect">
-            <a:avLst/>
-          </a:prstGeom>
-        </p:spPr>
-        <p:txBody>
-          <a:bodyPr lIns="0" tIns="0" rIns="0" bIns="0" rtlCol="0" anchor="t">
-            <a:spAutoFit/>
-          </a:bodyPr>
-          <a:lstStyle/>
-          <a:p>
-            <a:pPr>
-              <a:lnSpc>
-                <a:spcPts val="9440"/>
-              </a:lnSpc>
-            </a:pPr>
-            <a:r>
-              <a:rPr lang="en-US" sz="8000">
-                <a:solidFill>
-                  <a:srgbClr val="4D1354"/>
-                </a:solidFill>
-                <a:latin typeface="Alegreya" panose="00000500000000000000"/>
-              </a:rPr>
-              <a:t>SCHEDULABILITY OF AN IPE Server</a:t>
-            </a:r>
-            <a:endParaRPr lang="en-US" sz="8000">
-              <a:solidFill>
-                <a:srgbClr val="4D1354"/>
-              </a:solidFill>
-              <a:latin typeface="Alegreya" panose="00000500000000000000"/>
-            </a:endParaRPr>
-          </a:p>
-        </p:txBody>
-      </p:sp>
-      <p:sp>
-        <p:nvSpPr>
-          <p:cNvPr id="3" name="TextBox 3"/>
-          <p:cNvSpPr txBox="1"/>
-          <p:nvPr/>
-        </p:nvSpPr>
-        <p:spPr>
-          <a:xfrm>
-            <a:off x="302626" y="1473058"/>
-            <a:ext cx="18145336" cy="8797290"/>
-          </a:xfrm>
-          <a:prstGeom prst="rect">
-            <a:avLst/>
-          </a:prstGeom>
-        </p:spPr>
-        <p:txBody>
-          <a:bodyPr lIns="0" tIns="0" rIns="0" bIns="0" rtlCol="0" anchor="t">
-            <a:spAutoFit/>
-          </a:bodyPr>
-          <a:lstStyle/>
-          <a:p>
-            <a:pPr>
-              <a:lnSpc>
-                <a:spcPts val="6860"/>
-              </a:lnSpc>
-            </a:pPr>
-            <a:r>
-              <a:rPr lang="en-US" sz="4900">
-                <a:solidFill>
-                  <a:srgbClr val="497399"/>
-                </a:solidFill>
-                <a:latin typeface="Alegreya" panose="00000500000000000000"/>
-              </a:rPr>
-              <a:t>The IPE Server schedulability is defined as:</a:t>
-            </a:r>
-            <a:endParaRPr lang="en-US" sz="4900">
-              <a:solidFill>
-                <a:srgbClr val="497399"/>
-              </a:solidFill>
-              <a:latin typeface="Alegreya" panose="00000500000000000000"/>
-            </a:endParaRPr>
-          </a:p>
-          <a:p>
-            <a:pPr marL="1057910" lvl="1" indent="-528955">
-              <a:lnSpc>
-                <a:spcPts val="6860"/>
-              </a:lnSpc>
-              <a:buFont typeface="Arial" panose="020B0604020202020204"/>
-              <a:buChar char="•"/>
-            </a:pPr>
-            <a:r>
-              <a:rPr lang="en-US" sz="4900">
-                <a:solidFill>
-                  <a:srgbClr val="497399"/>
-                </a:solidFill>
-                <a:latin typeface="Alegreya" panose="00000500000000000000"/>
-              </a:rPr>
-              <a:t> for each execution of a periodic instance during a dead-line exchange (i.e., a rise in the associated aperiodic capacity), it is delayed until the capacity is exhausted.</a:t>
-            </a:r>
-            <a:endParaRPr lang="en-US" sz="4900">
-              <a:solidFill>
-                <a:srgbClr val="497399"/>
-              </a:solidFill>
-              <a:latin typeface="Alegreya" panose="00000500000000000000"/>
-            </a:endParaRPr>
-          </a:p>
-          <a:p>
-            <a:pPr>
-              <a:lnSpc>
-                <a:spcPts val="6860"/>
-              </a:lnSpc>
-            </a:pPr>
-          </a:p>
-          <a:p>
-            <a:pPr>
-              <a:lnSpc>
-                <a:spcPts val="6860"/>
-              </a:lnSpc>
-            </a:pPr>
-            <a:r>
-              <a:rPr lang="en-US" sz="4900">
-                <a:solidFill>
-                  <a:srgbClr val="497399"/>
-                </a:solidFill>
-                <a:latin typeface="Alegreya" panose="00000500000000000000"/>
-              </a:rPr>
-              <a:t>Therefore, "the whole set is schedulable If and Only If"[2]:</a:t>
-            </a:r>
-            <a:endParaRPr lang="en-US" sz="4900">
-              <a:solidFill>
-                <a:srgbClr val="497399"/>
-              </a:solidFill>
-              <a:latin typeface="Alegreya" panose="00000500000000000000"/>
-            </a:endParaRPr>
-          </a:p>
-          <a:p>
-            <a:pPr algn="ctr">
-              <a:lnSpc>
-                <a:spcPts val="6860"/>
-              </a:lnSpc>
-            </a:pPr>
-            <a:r>
-              <a:rPr lang="en-US" sz="4900">
-                <a:solidFill>
-                  <a:srgbClr val="497399"/>
-                </a:solidFill>
-                <a:latin typeface="Alegreya" panose="00000500000000000000"/>
-              </a:rPr>
-              <a:t>U</a:t>
-            </a:r>
-            <a:r>
-              <a:rPr lang="en-US" sz="2800">
-                <a:solidFill>
-                  <a:srgbClr val="497399"/>
-                </a:solidFill>
-                <a:latin typeface="Alegreya" panose="00000500000000000000"/>
-              </a:rPr>
-              <a:t>p</a:t>
-            </a:r>
-            <a:r>
-              <a:rPr lang="en-US" sz="4900">
-                <a:solidFill>
-                  <a:srgbClr val="497399"/>
-                </a:solidFill>
-                <a:latin typeface="Alegreya" panose="00000500000000000000"/>
-              </a:rPr>
-              <a:t> ≤ 1</a:t>
-            </a:r>
-            <a:endParaRPr lang="en-US" sz="4900">
-              <a:solidFill>
-                <a:srgbClr val="497399"/>
-              </a:solidFill>
-              <a:latin typeface="Alegreya" panose="00000500000000000000"/>
-            </a:endParaRPr>
-          </a:p>
-          <a:p>
-            <a:pPr>
-              <a:lnSpc>
-                <a:spcPts val="6860"/>
-              </a:lnSpc>
-            </a:pPr>
-          </a:p>
-          <a:p>
-            <a:pPr>
-              <a:lnSpc>
-                <a:spcPts val="6860"/>
-              </a:lnSpc>
-            </a:pPr>
-            <a:r>
-              <a:rPr lang="en-US" sz="4900">
-                <a:solidFill>
-                  <a:srgbClr val="497399"/>
-                </a:solidFill>
-                <a:latin typeface="Alegreya" panose="00000500000000000000"/>
-              </a:rPr>
-              <a:t>"the server allocates automatically the bandwidth 1 −U</a:t>
-            </a:r>
-            <a:r>
-              <a:rPr lang="en-US" sz="3200">
-                <a:solidFill>
-                  <a:srgbClr val="497399"/>
-                </a:solidFill>
-                <a:latin typeface="Alegreya" panose="00000500000000000000"/>
-              </a:rPr>
-              <a:t>p</a:t>
-            </a:r>
-            <a:r>
-              <a:rPr lang="en-US" sz="4900">
-                <a:solidFill>
-                  <a:srgbClr val="497399"/>
-                </a:solidFill>
-                <a:latin typeface="Alegreya" panose="00000500000000000000"/>
-              </a:rPr>
-              <a:t> to aperiodic requests"[2]</a:t>
-            </a:r>
-            <a:endParaRPr lang="en-US" sz="4900">
-              <a:solidFill>
-                <a:srgbClr val="497399"/>
-              </a:solidFill>
-              <a:latin typeface="Alegreya" panose="00000500000000000000"/>
-            </a:endParaRPr>
-          </a:p>
-        </p:txBody>
-      </p:sp>
-    </p:spTree>
-  </p:cSld>
-  <p:clrMapOvr>
-    <a:masterClrMapping/>
-  </p:clrMapOvr>
-</p:sld>
-</file>
-
-<file path=ppt/slides/slide7.xml><?xml version="1.0" encoding="utf-8"?>
 <p:sld xmlns:a="http://schemas.openxmlformats.org/drawingml/2006/main" xmlns:r="http://schemas.openxmlformats.org/officeDocument/2006/relationships" xmlns:p="http://schemas.openxmlformats.org/presentationml/2006/main">
   <p:cSld>
     <p:bg>
@@ -5115,7 +4790,7 @@
 </p:sld>
 </file>
 
-<file path=ppt/slides/slide8.xml><?xml version="1.0" encoding="utf-8"?>
+<file path=ppt/slides/slide7.xml><?xml version="1.0" encoding="utf-8"?>
 <p:sld xmlns:a="http://schemas.openxmlformats.org/drawingml/2006/main" xmlns:r="http://schemas.openxmlformats.org/officeDocument/2006/relationships" xmlns:p="http://schemas.openxmlformats.org/presentationml/2006/main">
   <p:cSld>
     <p:spTree>
@@ -5311,7 +4986,7 @@
 </p:sld>
 </file>
 
-<file path=ppt/slides/slide9.xml><?xml version="1.0" encoding="utf-8"?>
+<file path=ppt/slides/slide8.xml><?xml version="1.0" encoding="utf-8"?>
 <p:sld xmlns:a="http://schemas.openxmlformats.org/drawingml/2006/main" xmlns:r="http://schemas.openxmlformats.org/officeDocument/2006/relationships" xmlns:p="http://schemas.openxmlformats.org/presentationml/2006/main">
   <p:cSld>
     <p:spTree>
@@ -5361,15 +5036,109 @@
         </p:nvSpPr>
         <p:spPr>
           <a:xfrm>
-            <a:off x="8568107" y="9706610"/>
-            <a:ext cx="2751402" cy="580390"/>
+            <a:off x="8568055" y="9706610"/>
+            <a:ext cx="3376930" cy="610235"/>
           </a:xfrm>
           <a:prstGeom prst="rect">
             <a:avLst/>
           </a:prstGeom>
         </p:spPr>
         <p:txBody>
-          <a:bodyPr lIns="0" tIns="0" rIns="0" bIns="0" rtlCol="0" anchor="t">
+          <a:bodyPr wrap="square" lIns="0" tIns="0" rIns="0" bIns="0" rtlCol="0" anchor="t">
+            <a:spAutoFit/>
+          </a:bodyPr>
+          <a:lstStyle/>
+          <a:p>
+            <a:pPr algn="ctr">
+              <a:lnSpc>
+                <a:spcPts val="4760"/>
+              </a:lnSpc>
+            </a:pPr>
+            <a:r>
+              <a:rPr lang="en-US" sz="3400">
+                <a:solidFill>
+                  <a:srgbClr val="000000"/>
+                </a:solidFill>
+                <a:latin typeface="Open Sans Light" panose="020B0306030504020204"/>
+              </a:rPr>
+              <a:t>taken from [3]</a:t>
+            </a:r>
+            <a:endParaRPr lang="en-US" sz="3400">
+              <a:solidFill>
+                <a:srgbClr val="000000"/>
+              </a:solidFill>
+              <a:latin typeface="Open Sans Light" panose="020B0306030504020204"/>
+            </a:endParaRPr>
+          </a:p>
+        </p:txBody>
+      </p:sp>
+    </p:spTree>
+  </p:cSld>
+  <p:clrMapOvr>
+    <a:masterClrMapping/>
+  </p:clrMapOvr>
+</p:sld>
+</file>
+
+<file path=ppt/slides/slide9.xml><?xml version="1.0" encoding="utf-8"?>
+<p:sld xmlns:a="http://schemas.openxmlformats.org/drawingml/2006/main" xmlns:r="http://schemas.openxmlformats.org/officeDocument/2006/relationships" xmlns:p="http://schemas.openxmlformats.org/presentationml/2006/main">
+  <p:cSld>
+    <p:spTree>
+      <p:nvGrpSpPr>
+        <p:cNvPr id="1" name=""/>
+        <p:cNvGrpSpPr/>
+        <p:nvPr/>
+      </p:nvGrpSpPr>
+      <p:grpSpPr>
+        <a:xfrm>
+          <a:off x="0" y="0"/>
+          <a:ext cx="0" cy="0"/>
+          <a:chOff x="0" y="0"/>
+          <a:chExt cx="0" cy="0"/>
+        </a:xfrm>
+      </p:grpSpPr>
+      <p:pic>
+        <p:nvPicPr>
+          <p:cNvPr id="2" name="Picture 2"/>
+          <p:cNvPicPr>
+            <a:picLocks noChangeAspect="1"/>
+          </p:cNvPicPr>
+          <p:nvPr/>
+        </p:nvPicPr>
+        <p:blipFill>
+          <a:blip r:embed="rId1"/>
+          <a:srcRect t="375" b="375"/>
+          <a:stretch>
+            <a:fillRect/>
+          </a:stretch>
+        </p:blipFill>
+        <p:spPr>
+          <a:xfrm>
+            <a:off x="3028424" y="351562"/>
+            <a:ext cx="12185448" cy="9236203"/>
+          </a:xfrm>
+          <a:prstGeom prst="rect">
+            <a:avLst/>
+          </a:prstGeom>
+        </p:spPr>
+      </p:pic>
+      <p:sp>
+        <p:nvSpPr>
+          <p:cNvPr id="3" name="TextBox 3"/>
+          <p:cNvSpPr txBox="1"/>
+          <p:nvPr/>
+        </p:nvSpPr>
+        <p:spPr>
+          <a:xfrm>
+            <a:off x="8568055" y="9706610"/>
+            <a:ext cx="4187190" cy="610235"/>
+          </a:xfrm>
+          <a:prstGeom prst="rect">
+            <a:avLst/>
+          </a:prstGeom>
+        </p:spPr>
+        <p:txBody>
+          <a:bodyPr wrap="square" lIns="0" tIns="0" rIns="0" bIns="0" rtlCol="0" anchor="t">
             <a:spAutoFit/>
           </a:bodyPr>
           <a:lstStyle/>
